--- a/ДЗ_Егорова_Кемурджиан_Курганов_ИУ8114.pptx
+++ b/ДЗ_Егорова_Кемурджиан_Курганов_ИУ8114.pptx
@@ -26,8 +26,8 @@
     <p:sldId id="274" r:id="rId20"/>
     <p:sldId id="275" r:id="rId21"/>
     <p:sldId id="276" r:id="rId22"/>
-    <p:sldId id="277" r:id="rId23"/>
-    <p:sldId id="278" r:id="rId24"/>
+    <p:sldId id="281" r:id="rId23"/>
+    <p:sldId id="282" r:id="rId24"/>
     <p:sldId id="279" r:id="rId25"/>
     <p:sldId id="280" r:id="rId26"/>
   </p:sldIdLst>
@@ -6793,8 +6793,8 @@
           </a:p>
         </p:txBody>
       </p:sp>
-      <mc:AlternateContent xmlns:mc="http://schemas.openxmlformats.org/markup-compatibility/2006">
-        <mc:Choice xmlns:a14="http://schemas.microsoft.com/office/drawing/2010/main" Requires="a14">
+      <mc:AlternateContent xmlns:mc="http://schemas.openxmlformats.org/markup-compatibility/2006" xmlns:a14="http://schemas.microsoft.com/office/drawing/2010/main">
+        <mc:Choice Requires="a14">
           <p:sp>
             <p:nvSpPr>
               <p:cNvPr id="6" name="TextBox 5">
@@ -6933,7 +6933,7 @@
             </p:txBody>
           </p:sp>
         </mc:Choice>
-        <mc:Fallback>
+        <mc:Fallback xmlns="">
           <p:sp>
             <p:nvSpPr>
               <p:cNvPr id="6" name="TextBox 5">
@@ -8389,10 +8389,10 @@
       </p:grpSpPr>
       <p:sp>
         <p:nvSpPr>
-          <p:cNvPr id="5" name="Заголовок 4">
+          <p:cNvPr id="2" name="Заголовок 1">
             <a:extLst>
               <a:ext uri="{FF2B5EF4-FFF2-40B4-BE49-F238E27FC236}">
-                <a16:creationId xmlns:a16="http://schemas.microsoft.com/office/drawing/2014/main" id="{5A339F6D-A500-4CBA-A669-45E083AF1B67}"/>
+                <a16:creationId xmlns:a16="http://schemas.microsoft.com/office/drawing/2014/main" id="{3EC7EAA9-EE0E-4835-99D1-0C00FA0C8747}"/>
               </a:ext>
             </a:extLst>
           </p:cNvPr>
@@ -8410,17 +8410,17 @@
           <a:p>
             <a:r>
               <a:rPr lang="ru-RU" dirty="0"/>
-              <a:t>Последовательный вариант</a:t>
+              <a:t>Примеры работы алгоритма</a:t>
             </a:r>
           </a:p>
         </p:txBody>
       </p:sp>
       <p:pic>
         <p:nvPicPr>
-          <p:cNvPr id="7" name="Объект 6">
+          <p:cNvPr id="5" name="Объект 4">
             <a:extLst>
               <a:ext uri="{FF2B5EF4-FFF2-40B4-BE49-F238E27FC236}">
-                <a16:creationId xmlns:a16="http://schemas.microsoft.com/office/drawing/2014/main" id="{EB87F2C9-A1AE-47D8-AC3C-A7697389D4A5}"/>
+                <a16:creationId xmlns:a16="http://schemas.microsoft.com/office/drawing/2014/main" id="{EB0442ED-7270-45B1-9109-AFFA079543DA}"/>
               </a:ext>
             </a:extLst>
           </p:cNvPr>
@@ -8428,7 +8428,7 @@
             <a:picLocks noGrp="1" noChangeAspect="1"/>
           </p:cNvPicPr>
           <p:nvPr>
-            <p:ph idx="1"/>
+            <p:ph sz="half" idx="1"/>
           </p:nvPr>
         </p:nvPicPr>
         <p:blipFill>
@@ -8439,8 +8439,40 @@
         </p:blipFill>
         <p:spPr>
           <a:xfrm>
-            <a:off x="1811482" y="1822883"/>
-            <a:ext cx="8569035" cy="4652530"/>
+            <a:off x="2382170" y="2141538"/>
+            <a:ext cx="1603122" cy="3649662"/>
+          </a:xfrm>
+          <a:prstGeom prst="rect">
+            <a:avLst/>
+          </a:prstGeom>
+        </p:spPr>
+      </p:pic>
+      <p:pic>
+        <p:nvPicPr>
+          <p:cNvPr id="6" name="Объект 5">
+            <a:extLst>
+              <a:ext uri="{FF2B5EF4-FFF2-40B4-BE49-F238E27FC236}">
+                <a16:creationId xmlns:a16="http://schemas.microsoft.com/office/drawing/2014/main" id="{A301B360-32AC-43D7-8E65-398ABF4827CA}"/>
+              </a:ext>
+            </a:extLst>
+          </p:cNvPr>
+          <p:cNvPicPr>
+            <a:picLocks noGrp="1" noChangeAspect="1"/>
+          </p:cNvPicPr>
+          <p:nvPr>
+            <p:ph sz="half" idx="2"/>
+          </p:nvPr>
+        </p:nvPicPr>
+        <p:blipFill>
+          <a:blip r:embed="rId3"/>
+          <a:stretch>
+            <a:fillRect/>
+          </a:stretch>
+        </p:blipFill>
+        <p:spPr>
+          <a:xfrm>
+            <a:off x="6733810" y="2065867"/>
+            <a:ext cx="2945799" cy="3649662"/>
           </a:xfrm>
           <a:prstGeom prst="rect">
             <a:avLst/>
@@ -8450,7 +8482,7 @@
     </p:spTree>
     <p:extLst>
       <p:ext uri="{BB962C8B-B14F-4D97-AF65-F5344CB8AC3E}">
-        <p14:creationId xmlns:p14="http://schemas.microsoft.com/office/powerpoint/2010/main" val="4234298931"/>
+        <p14:creationId xmlns:p14="http://schemas.microsoft.com/office/powerpoint/2010/main" val="448593076"/>
       </p:ext>
     </p:extLst>
   </p:cSld>
@@ -8482,7 +8514,7 @@
           <p:cNvPr id="2" name="Заголовок 1">
             <a:extLst>
               <a:ext uri="{FF2B5EF4-FFF2-40B4-BE49-F238E27FC236}">
-                <a16:creationId xmlns:a16="http://schemas.microsoft.com/office/drawing/2014/main" id="{A9D61B79-5B50-470E-8FCD-68778E5AA3D0}"/>
+                <a16:creationId xmlns:a16="http://schemas.microsoft.com/office/drawing/2014/main" id="{EF0DF38F-8BB3-46F5-A3DF-19296B3F8EEC}"/>
               </a:ext>
             </a:extLst>
           </p:cNvPr>
@@ -8500,7 +8532,7 @@
           <a:p>
             <a:r>
               <a:rPr lang="ru-RU" dirty="0"/>
-              <a:t>Параллельный вариант</a:t>
+              <a:t>Сравнение времени работы</a:t>
             </a:r>
           </a:p>
         </p:txBody>
@@ -8510,7 +8542,7 @@
           <p:cNvPr id="4" name="Объект 3">
             <a:extLst>
               <a:ext uri="{FF2B5EF4-FFF2-40B4-BE49-F238E27FC236}">
-                <a16:creationId xmlns:a16="http://schemas.microsoft.com/office/drawing/2014/main" id="{21300264-A278-46E9-8613-B870D0D5D47A}"/>
+                <a16:creationId xmlns:a16="http://schemas.microsoft.com/office/drawing/2014/main" id="{5001DEE7-0CCA-4EE1-9D00-BDFE45710170}"/>
               </a:ext>
             </a:extLst>
           </p:cNvPr>
@@ -8529,8 +8561,8 @@
         </p:blipFill>
         <p:spPr>
           <a:xfrm>
-            <a:off x="1725449" y="1762847"/>
-            <a:ext cx="8741102" cy="4716462"/>
+            <a:off x="1506682" y="1659587"/>
+            <a:ext cx="9178635" cy="5041079"/>
           </a:xfrm>
           <a:prstGeom prst="rect">
             <a:avLst/>
@@ -8540,7 +8572,7 @@
     </p:spTree>
     <p:extLst>
       <p:ext uri="{BB962C8B-B14F-4D97-AF65-F5344CB8AC3E}">
-        <p14:creationId xmlns:p14="http://schemas.microsoft.com/office/powerpoint/2010/main" val="2880776997"/>
+        <p14:creationId xmlns:p14="http://schemas.microsoft.com/office/powerpoint/2010/main" val="218680333"/>
       </p:ext>
     </p:extLst>
   </p:cSld>
@@ -9608,8 +9640,8 @@
           </a:p>
         </p:txBody>
       </p:sp>
-      <mc:AlternateContent xmlns:mc="http://schemas.openxmlformats.org/markup-compatibility/2006">
-        <mc:Choice xmlns:a14="http://schemas.microsoft.com/office/drawing/2010/main" Requires="a14">
+      <mc:AlternateContent xmlns:mc="http://schemas.openxmlformats.org/markup-compatibility/2006" xmlns:a14="http://schemas.microsoft.com/office/drawing/2010/main">
+        <mc:Choice Requires="a14">
           <p:sp>
             <p:nvSpPr>
               <p:cNvPr id="4" name="TextBox 3">
@@ -9736,7 +9768,7 @@
             </p:txBody>
           </p:sp>
         </mc:Choice>
-        <mc:Fallback>
+        <mc:Fallback xmlns="">
           <p:sp>
             <p:nvSpPr>
               <p:cNvPr id="4" name="TextBox 3">
@@ -9852,8 +9884,8 @@
           </a:p>
         </p:txBody>
       </p:sp>
-      <mc:AlternateContent xmlns:mc="http://schemas.openxmlformats.org/markup-compatibility/2006">
-        <mc:Choice xmlns:a14="http://schemas.microsoft.com/office/drawing/2010/main" Requires="a14">
+      <mc:AlternateContent xmlns:mc="http://schemas.openxmlformats.org/markup-compatibility/2006" xmlns:a14="http://schemas.microsoft.com/office/drawing/2010/main">
+        <mc:Choice Requires="a14">
           <p:sp>
             <p:nvSpPr>
               <p:cNvPr id="6" name="TextBox 5">
@@ -10670,7 +10702,7 @@
             </p:txBody>
           </p:sp>
         </mc:Choice>
-        <mc:Fallback>
+        <mc:Fallback xmlns="">
           <p:sp>
             <p:nvSpPr>
               <p:cNvPr id="6" name="TextBox 5">
